--- a/images/day3/Präsentation1.pptx
+++ b/images/day3/Präsentation1.pptx
@@ -109,6 +109,11 @@
       </a:defRPr>
     </a:lvl9pPr>
   </p:defaultTextStyle>
+  <p:extLst>
+    <p:ext uri="{EFAFB233-063F-42B5-8137-9DF3F51BA10A}">
+      <p15:sldGuideLst xmlns:p15="http://schemas.microsoft.com/office/powerpoint/2012/main"/>
+    </p:ext>
+  </p:extLst>
 </p:presentation>
 </file>
 
@@ -259,7 +264,7 @@
           <a:p>
             <a:fld id="{79EBCA10-C6A9-4D68-8F7D-795B8C3781C6}" type="datetimeFigureOut">
               <a:rPr lang="de-DE" smtClean="0"/>
-              <a:t>30.08.2022</a:t>
+              <a:t>31.08.2022</a:t>
             </a:fld>
             <a:endParaRPr lang="de-DE"/>
           </a:p>
@@ -457,7 +462,7 @@
           <a:p>
             <a:fld id="{79EBCA10-C6A9-4D68-8F7D-795B8C3781C6}" type="datetimeFigureOut">
               <a:rPr lang="de-DE" smtClean="0"/>
-              <a:t>30.08.2022</a:t>
+              <a:t>31.08.2022</a:t>
             </a:fld>
             <a:endParaRPr lang="de-DE"/>
           </a:p>
@@ -665,7 +670,7 @@
           <a:p>
             <a:fld id="{79EBCA10-C6A9-4D68-8F7D-795B8C3781C6}" type="datetimeFigureOut">
               <a:rPr lang="de-DE" smtClean="0"/>
-              <a:t>30.08.2022</a:t>
+              <a:t>31.08.2022</a:t>
             </a:fld>
             <a:endParaRPr lang="de-DE"/>
           </a:p>
@@ -863,7 +868,7 @@
           <a:p>
             <a:fld id="{79EBCA10-C6A9-4D68-8F7D-795B8C3781C6}" type="datetimeFigureOut">
               <a:rPr lang="de-DE" smtClean="0"/>
-              <a:t>30.08.2022</a:t>
+              <a:t>31.08.2022</a:t>
             </a:fld>
             <a:endParaRPr lang="de-DE"/>
           </a:p>
@@ -1138,7 +1143,7 @@
           <a:p>
             <a:fld id="{79EBCA10-C6A9-4D68-8F7D-795B8C3781C6}" type="datetimeFigureOut">
               <a:rPr lang="de-DE" smtClean="0"/>
-              <a:t>30.08.2022</a:t>
+              <a:t>31.08.2022</a:t>
             </a:fld>
             <a:endParaRPr lang="de-DE"/>
           </a:p>
@@ -1403,7 +1408,7 @@
           <a:p>
             <a:fld id="{79EBCA10-C6A9-4D68-8F7D-795B8C3781C6}" type="datetimeFigureOut">
               <a:rPr lang="de-DE" smtClean="0"/>
-              <a:t>30.08.2022</a:t>
+              <a:t>31.08.2022</a:t>
             </a:fld>
             <a:endParaRPr lang="de-DE"/>
           </a:p>
@@ -1815,7 +1820,7 @@
           <a:p>
             <a:fld id="{79EBCA10-C6A9-4D68-8F7D-795B8C3781C6}" type="datetimeFigureOut">
               <a:rPr lang="de-DE" smtClean="0"/>
-              <a:t>30.08.2022</a:t>
+              <a:t>31.08.2022</a:t>
             </a:fld>
             <a:endParaRPr lang="de-DE"/>
           </a:p>
@@ -1956,7 +1961,7 @@
           <a:p>
             <a:fld id="{79EBCA10-C6A9-4D68-8F7D-795B8C3781C6}" type="datetimeFigureOut">
               <a:rPr lang="de-DE" smtClean="0"/>
-              <a:t>30.08.2022</a:t>
+              <a:t>31.08.2022</a:t>
             </a:fld>
             <a:endParaRPr lang="de-DE"/>
           </a:p>
@@ -2069,7 +2074,7 @@
           <a:p>
             <a:fld id="{79EBCA10-C6A9-4D68-8F7D-795B8C3781C6}" type="datetimeFigureOut">
               <a:rPr lang="de-DE" smtClean="0"/>
-              <a:t>30.08.2022</a:t>
+              <a:t>31.08.2022</a:t>
             </a:fld>
             <a:endParaRPr lang="de-DE"/>
           </a:p>
@@ -2380,7 +2385,7 @@
           <a:p>
             <a:fld id="{79EBCA10-C6A9-4D68-8F7D-795B8C3781C6}" type="datetimeFigureOut">
               <a:rPr lang="de-DE" smtClean="0"/>
-              <a:t>30.08.2022</a:t>
+              <a:t>31.08.2022</a:t>
             </a:fld>
             <a:endParaRPr lang="de-DE"/>
           </a:p>
@@ -2668,7 +2673,7 @@
           <a:p>
             <a:fld id="{79EBCA10-C6A9-4D68-8F7D-795B8C3781C6}" type="datetimeFigureOut">
               <a:rPr lang="de-DE" smtClean="0"/>
-              <a:t>30.08.2022</a:t>
+              <a:t>31.08.2022</a:t>
             </a:fld>
             <a:endParaRPr lang="de-DE"/>
           </a:p>
@@ -2909,7 +2914,7 @@
           <a:p>
             <a:fld id="{79EBCA10-C6A9-4D68-8F7D-795B8C3781C6}" type="datetimeFigureOut">
               <a:rPr lang="de-DE" smtClean="0"/>
-              <a:t>30.08.2022</a:t>
+              <a:t>31.08.2022</a:t>
             </a:fld>
             <a:endParaRPr lang="de-DE"/>
           </a:p>
@@ -5881,7 +5886,7 @@
           </a:prstGeom>
           <a:ln w="38100">
             <a:solidFill>
-              <a:srgbClr val="990000"/>
+              <a:srgbClr val="7030A0"/>
             </a:solidFill>
             <a:tailEnd type="triangle"/>
           </a:ln>
@@ -5925,7 +5930,7 @@
           </a:prstGeom>
           <a:ln w="38100">
             <a:solidFill>
-              <a:srgbClr val="990000"/>
+              <a:srgbClr val="7030A0"/>
             </a:solidFill>
           </a:ln>
         </p:spPr>
@@ -5973,10 +5978,7 @@
           <a:lstStyle/>
           <a:p>
             <a:pPr algn="ctr"/>
-            <a:r>
-              <a:rPr lang="de-DE" sz="1400" dirty="0"/>
-              <a:t>Negative</a:t>
-            </a:r>
+            <a:endParaRPr lang="de-DE" sz="1400" dirty="0"/>
           </a:p>
           <a:p>
             <a:pPr algn="ctr"/>
